--- a/docs/Slides_LAR_TGW-3D.pptx
+++ b/docs/Slides_LAR_TGW-3D.pptx
@@ -109,6 +109,11 @@
       </a:defRPr>
     </a:lvl9pPr>
   </p:defaultTextStyle>
+  <p:extLst>
+    <p:ext uri="{EFAFB233-063F-42B5-8137-9DF3F51BA10A}">
+      <p15:sldGuideLst xmlns:p15="http://schemas.microsoft.com/office/powerpoint/2012/main"/>
+    </p:ext>
+  </p:extLst>
 </p:presentation>
 </file>
 
@@ -231,7 +236,7 @@
           <a:p>
             <a:fld id="{23EB5FED-1DAE-4E21-B785-43688627EC08}" type="datetimeFigureOut">
               <a:rPr lang="it-IT" smtClean="0"/>
-              <a:t>28/04/2022</a:t>
+              <a:t>30/05/22</a:t>
             </a:fld>
             <a:endParaRPr lang="it-IT"/>
           </a:p>
@@ -390,7 +395,7 @@
           <a:p>
             <a:fld id="{95839993-5C1B-4099-9248-8099DD5EFF7A}" type="slidenum">
               <a:rPr lang="it-IT" smtClean="0"/>
-              <a:t>‹#›</a:t>
+              <a:t>‹N›</a:t>
             </a:fld>
             <a:endParaRPr lang="it-IT"/>
           </a:p>
@@ -648,7 +653,7 @@
           <a:p>
             <a:fld id="{5A6DD66E-037A-481C-97A3-DF073EE73F78}" type="datetimeFigureOut">
               <a:rPr lang="it-IT" smtClean="0"/>
-              <a:t>28/04/2022</a:t>
+              <a:t>30/05/22</a:t>
             </a:fld>
             <a:endParaRPr lang="it-IT"/>
           </a:p>
@@ -702,7 +707,7 @@
           <a:p>
             <a:fld id="{713DB4FC-63C0-49A7-868A-C5D1D7DEF1D6}" type="slidenum">
               <a:rPr lang="it-IT" smtClean="0"/>
-              <a:t>‹#›</a:t>
+              <a:t>‹N›</a:t>
             </a:fld>
             <a:endParaRPr lang="it-IT"/>
           </a:p>
@@ -848,7 +853,7 @@
           <a:p>
             <a:fld id="{5A6DD66E-037A-481C-97A3-DF073EE73F78}" type="datetimeFigureOut">
               <a:rPr lang="it-IT" smtClean="0"/>
-              <a:t>28/04/2022</a:t>
+              <a:t>30/05/22</a:t>
             </a:fld>
             <a:endParaRPr lang="it-IT"/>
           </a:p>
@@ -902,7 +907,7 @@
           <a:p>
             <a:fld id="{713DB4FC-63C0-49A7-868A-C5D1D7DEF1D6}" type="slidenum">
               <a:rPr lang="it-IT" smtClean="0"/>
-              <a:t>‹#›</a:t>
+              <a:t>‹N›</a:t>
             </a:fld>
             <a:endParaRPr lang="it-IT"/>
           </a:p>
@@ -1058,7 +1063,7 @@
           <a:p>
             <a:fld id="{5A6DD66E-037A-481C-97A3-DF073EE73F78}" type="datetimeFigureOut">
               <a:rPr lang="it-IT" smtClean="0"/>
-              <a:t>28/04/2022</a:t>
+              <a:t>30/05/22</a:t>
             </a:fld>
             <a:endParaRPr lang="it-IT"/>
           </a:p>
@@ -1112,7 +1117,7 @@
           <a:p>
             <a:fld id="{713DB4FC-63C0-49A7-868A-C5D1D7DEF1D6}" type="slidenum">
               <a:rPr lang="it-IT" smtClean="0"/>
-              <a:t>‹#›</a:t>
+              <a:t>‹N›</a:t>
             </a:fld>
             <a:endParaRPr lang="it-IT"/>
           </a:p>
@@ -1258,7 +1263,7 @@
           <a:p>
             <a:fld id="{5A6DD66E-037A-481C-97A3-DF073EE73F78}" type="datetimeFigureOut">
               <a:rPr lang="it-IT" smtClean="0"/>
-              <a:t>28/04/2022</a:t>
+              <a:t>30/05/22</a:t>
             </a:fld>
             <a:endParaRPr lang="it-IT"/>
           </a:p>
@@ -1312,7 +1317,7 @@
           <a:p>
             <a:fld id="{713DB4FC-63C0-49A7-868A-C5D1D7DEF1D6}" type="slidenum">
               <a:rPr lang="it-IT" smtClean="0"/>
-              <a:t>‹#›</a:t>
+              <a:t>‹N›</a:t>
             </a:fld>
             <a:endParaRPr lang="it-IT"/>
           </a:p>
@@ -1534,7 +1539,7 @@
           <a:p>
             <a:fld id="{5A6DD66E-037A-481C-97A3-DF073EE73F78}" type="datetimeFigureOut">
               <a:rPr lang="it-IT" smtClean="0"/>
-              <a:t>28/04/2022</a:t>
+              <a:t>30/05/22</a:t>
             </a:fld>
             <a:endParaRPr lang="it-IT"/>
           </a:p>
@@ -1588,7 +1593,7 @@
           <a:p>
             <a:fld id="{713DB4FC-63C0-49A7-868A-C5D1D7DEF1D6}" type="slidenum">
               <a:rPr lang="it-IT" smtClean="0"/>
-              <a:t>‹#›</a:t>
+              <a:t>‹N›</a:t>
             </a:fld>
             <a:endParaRPr lang="it-IT"/>
           </a:p>
@@ -1802,7 +1807,7 @@
           <a:p>
             <a:fld id="{5A6DD66E-037A-481C-97A3-DF073EE73F78}" type="datetimeFigureOut">
               <a:rPr lang="it-IT" smtClean="0"/>
-              <a:t>28/04/2022</a:t>
+              <a:t>30/05/22</a:t>
             </a:fld>
             <a:endParaRPr lang="it-IT"/>
           </a:p>
@@ -1856,7 +1861,7 @@
           <a:p>
             <a:fld id="{713DB4FC-63C0-49A7-868A-C5D1D7DEF1D6}" type="slidenum">
               <a:rPr lang="it-IT" smtClean="0"/>
-              <a:t>‹#›</a:t>
+              <a:t>‹N›</a:t>
             </a:fld>
             <a:endParaRPr lang="it-IT"/>
           </a:p>
@@ -2217,7 +2222,7 @@
           <a:p>
             <a:fld id="{5A6DD66E-037A-481C-97A3-DF073EE73F78}" type="datetimeFigureOut">
               <a:rPr lang="it-IT" smtClean="0"/>
-              <a:t>28/04/2022</a:t>
+              <a:t>30/05/22</a:t>
             </a:fld>
             <a:endParaRPr lang="it-IT"/>
           </a:p>
@@ -2271,7 +2276,7 @@
           <a:p>
             <a:fld id="{713DB4FC-63C0-49A7-868A-C5D1D7DEF1D6}" type="slidenum">
               <a:rPr lang="it-IT" smtClean="0"/>
-              <a:t>‹#›</a:t>
+              <a:t>‹N›</a:t>
             </a:fld>
             <a:endParaRPr lang="it-IT"/>
           </a:p>
@@ -2359,7 +2364,7 @@
           <a:p>
             <a:fld id="{5A6DD66E-037A-481C-97A3-DF073EE73F78}" type="datetimeFigureOut">
               <a:rPr lang="it-IT" smtClean="0"/>
-              <a:t>28/04/2022</a:t>
+              <a:t>30/05/22</a:t>
             </a:fld>
             <a:endParaRPr lang="it-IT"/>
           </a:p>
@@ -2413,7 +2418,7 @@
           <a:p>
             <a:fld id="{713DB4FC-63C0-49A7-868A-C5D1D7DEF1D6}" type="slidenum">
               <a:rPr lang="it-IT" smtClean="0"/>
-              <a:t>‹#›</a:t>
+              <a:t>‹N›</a:t>
             </a:fld>
             <a:endParaRPr lang="it-IT"/>
           </a:p>
@@ -2472,7 +2477,7 @@
           <a:p>
             <a:fld id="{5A6DD66E-037A-481C-97A3-DF073EE73F78}" type="datetimeFigureOut">
               <a:rPr lang="it-IT" smtClean="0"/>
-              <a:t>28/04/2022</a:t>
+              <a:t>30/05/22</a:t>
             </a:fld>
             <a:endParaRPr lang="it-IT"/>
           </a:p>
@@ -2526,7 +2531,7 @@
           <a:p>
             <a:fld id="{713DB4FC-63C0-49A7-868A-C5D1D7DEF1D6}" type="slidenum">
               <a:rPr lang="it-IT" smtClean="0"/>
-              <a:t>‹#›</a:t>
+              <a:t>‹N›</a:t>
             </a:fld>
             <a:endParaRPr lang="it-IT"/>
           </a:p>
@@ -2785,7 +2790,7 @@
           <a:p>
             <a:fld id="{5A6DD66E-037A-481C-97A3-DF073EE73F78}" type="datetimeFigureOut">
               <a:rPr lang="it-IT" smtClean="0"/>
-              <a:t>28/04/2022</a:t>
+              <a:t>30/05/22</a:t>
             </a:fld>
             <a:endParaRPr lang="it-IT"/>
           </a:p>
@@ -2839,7 +2844,7 @@
           <a:p>
             <a:fld id="{713DB4FC-63C0-49A7-868A-C5D1D7DEF1D6}" type="slidenum">
               <a:rPr lang="it-IT" smtClean="0"/>
-              <a:t>‹#›</a:t>
+              <a:t>‹N›</a:t>
             </a:fld>
             <a:endParaRPr lang="it-IT"/>
           </a:p>
@@ -3074,7 +3079,7 @@
           <a:p>
             <a:fld id="{5A6DD66E-037A-481C-97A3-DF073EE73F78}" type="datetimeFigureOut">
               <a:rPr lang="it-IT" smtClean="0"/>
-              <a:t>28/04/2022</a:t>
+              <a:t>30/05/22</a:t>
             </a:fld>
             <a:endParaRPr lang="it-IT"/>
           </a:p>
@@ -3128,7 +3133,7 @@
           <a:p>
             <a:fld id="{713DB4FC-63C0-49A7-868A-C5D1D7DEF1D6}" type="slidenum">
               <a:rPr lang="it-IT" smtClean="0"/>
-              <a:t>‹#›</a:t>
+              <a:t>‹N›</a:t>
             </a:fld>
             <a:endParaRPr lang="it-IT"/>
           </a:p>
@@ -3317,7 +3322,7 @@
           <a:p>
             <a:fld id="{5A6DD66E-037A-481C-97A3-DF073EE73F78}" type="datetimeFigureOut">
               <a:rPr lang="it-IT" smtClean="0"/>
-              <a:t>28/04/2022</a:t>
+              <a:t>30/05/22</a:t>
             </a:fld>
             <a:endParaRPr lang="it-IT"/>
           </a:p>
@@ -3407,7 +3412,7 @@
           <a:p>
             <a:fld id="{713DB4FC-63C0-49A7-868A-C5D1D7DEF1D6}" type="slidenum">
               <a:rPr lang="it-IT" smtClean="0"/>
-              <a:t>‹#›</a:t>
+              <a:t>‹N›</a:t>
             </a:fld>
             <a:endParaRPr lang="it-IT"/>
           </a:p>
@@ -4432,42 +4437,6 @@
       </p:grpSpPr>
       <p:pic>
         <p:nvPicPr>
-          <p:cNvPr id="5" name="Picture 4" descr="Diagram&#10;&#10;Description automatically generated">
-            <a:extLst>
-              <a:ext uri="{FF2B5EF4-FFF2-40B4-BE49-F238E27FC236}">
-                <a16:creationId xmlns:a16="http://schemas.microsoft.com/office/drawing/2014/main" id="{F251277E-8764-4196-9EF2-9F2FC2EB9A08}"/>
-              </a:ext>
-            </a:extLst>
-          </p:cNvPr>
-          <p:cNvPicPr>
-            <a:picLocks noChangeAspect="1"/>
-          </p:cNvPicPr>
-          <p:nvPr/>
-        </p:nvPicPr>
-        <p:blipFill>
-          <a:blip r:embed="rId2">
-            <a:extLst>
-              <a:ext uri="{28A0092B-C50C-407E-A947-70E740481C1C}">
-                <a14:useLocalDpi xmlns:a14="http://schemas.microsoft.com/office/drawing/2010/main" val="0"/>
-              </a:ext>
-            </a:extLst>
-          </a:blip>
-          <a:stretch>
-            <a:fillRect/>
-          </a:stretch>
-        </p:blipFill>
-        <p:spPr>
-          <a:xfrm>
-            <a:off x="0" y="833818"/>
-            <a:ext cx="12192000" cy="3513964"/>
-          </a:xfrm>
-          <a:prstGeom prst="rect">
-            <a:avLst/>
-          </a:prstGeom>
-        </p:spPr>
-      </p:pic>
-      <p:pic>
-        <p:nvPicPr>
           <p:cNvPr id="6" name="Picture 2">
             <a:extLst>
               <a:ext uri="{FF2B5EF4-FFF2-40B4-BE49-F238E27FC236}">
@@ -4481,7 +4450,7 @@
           <p:nvPr/>
         </p:nvPicPr>
         <p:blipFill>
-          <a:blip r:embed="rId3">
+          <a:blip r:embed="rId2">
             <a:extLst>
               <a:ext uri="{28A0092B-C50C-407E-A947-70E740481C1C}">
                 <a14:useLocalDpi xmlns:a14="http://schemas.microsoft.com/office/drawing/2010/main" val="0"/>
@@ -4550,6 +4519,42 @@
           </a:p>
         </p:txBody>
       </p:sp>
+      <p:pic>
+        <p:nvPicPr>
+          <p:cNvPr id="3" name="Immagine 2">
+            <a:extLst>
+              <a:ext uri="{FF2B5EF4-FFF2-40B4-BE49-F238E27FC236}">
+                <a16:creationId xmlns:a16="http://schemas.microsoft.com/office/drawing/2014/main" id="{ED48636F-3A71-C47B-B528-824F2770ABF1}"/>
+              </a:ext>
+            </a:extLst>
+          </p:cNvPr>
+          <p:cNvPicPr>
+            <a:picLocks noChangeAspect="1"/>
+          </p:cNvPicPr>
+          <p:nvPr/>
+        </p:nvPicPr>
+        <p:blipFill>
+          <a:blip r:embed="rId3">
+            <a:extLst>
+              <a:ext uri="{28A0092B-C50C-407E-A947-70E740481C1C}">
+                <a14:useLocalDpi xmlns:a14="http://schemas.microsoft.com/office/drawing/2010/main" val="0"/>
+              </a:ext>
+            </a:extLst>
+          </a:blip>
+          <a:stretch>
+            <a:fillRect/>
+          </a:stretch>
+        </p:blipFill>
+        <p:spPr>
+          <a:xfrm>
+            <a:off x="662152" y="366834"/>
+            <a:ext cx="11035862" cy="4568722"/>
+          </a:xfrm>
+          <a:prstGeom prst="rect">
+            <a:avLst/>
+          </a:prstGeom>
+        </p:spPr>
+      </p:pic>
     </p:spTree>
     <p:extLst>
       <p:ext uri="{BB962C8B-B14F-4D97-AF65-F5344CB8AC3E}">
